--- a/figur.pptx
+++ b/figur.pptx
@@ -104,6 +104,11 @@
       </a:defRPr>
     </a:lvl9pPr>
   </p:defaultTextStyle>
+  <p:extLst>
+    <p:ext uri="{EFAFB233-063F-42B5-8137-9DF3F51BA10A}">
+      <p15:sldGuideLst xmlns:p15="http://schemas.microsoft.com/office/powerpoint/2012/main"/>
+    </p:ext>
+  </p:extLst>
 </p:presentation>
 </file>
 
@@ -254,7 +259,7 @@
           <a:p>
             <a:fld id="{5839EC34-D514-BC4C-8E57-741F40CC5773}" type="datetimeFigureOut">
               <a:rPr lang="da-DK" smtClean="0"/>
-              <a:t>08.05.2022</a:t>
+              <a:t>12.05.2022</a:t>
             </a:fld>
             <a:endParaRPr lang="da-DK"/>
           </a:p>
@@ -452,7 +457,7 @@
           <a:p>
             <a:fld id="{5839EC34-D514-BC4C-8E57-741F40CC5773}" type="datetimeFigureOut">
               <a:rPr lang="da-DK" smtClean="0"/>
-              <a:t>08.05.2022</a:t>
+              <a:t>12.05.2022</a:t>
             </a:fld>
             <a:endParaRPr lang="da-DK"/>
           </a:p>
@@ -660,7 +665,7 @@
           <a:p>
             <a:fld id="{5839EC34-D514-BC4C-8E57-741F40CC5773}" type="datetimeFigureOut">
               <a:rPr lang="da-DK" smtClean="0"/>
-              <a:t>08.05.2022</a:t>
+              <a:t>12.05.2022</a:t>
             </a:fld>
             <a:endParaRPr lang="da-DK"/>
           </a:p>
@@ -858,7 +863,7 @@
           <a:p>
             <a:fld id="{5839EC34-D514-BC4C-8E57-741F40CC5773}" type="datetimeFigureOut">
               <a:rPr lang="da-DK" smtClean="0"/>
-              <a:t>08.05.2022</a:t>
+              <a:t>12.05.2022</a:t>
             </a:fld>
             <a:endParaRPr lang="da-DK"/>
           </a:p>
@@ -1133,7 +1138,7 @@
           <a:p>
             <a:fld id="{5839EC34-D514-BC4C-8E57-741F40CC5773}" type="datetimeFigureOut">
               <a:rPr lang="da-DK" smtClean="0"/>
-              <a:t>08.05.2022</a:t>
+              <a:t>12.05.2022</a:t>
             </a:fld>
             <a:endParaRPr lang="da-DK"/>
           </a:p>
@@ -1398,7 +1403,7 @@
           <a:p>
             <a:fld id="{5839EC34-D514-BC4C-8E57-741F40CC5773}" type="datetimeFigureOut">
               <a:rPr lang="da-DK" smtClean="0"/>
-              <a:t>08.05.2022</a:t>
+              <a:t>12.05.2022</a:t>
             </a:fld>
             <a:endParaRPr lang="da-DK"/>
           </a:p>
@@ -1810,7 +1815,7 @@
           <a:p>
             <a:fld id="{5839EC34-D514-BC4C-8E57-741F40CC5773}" type="datetimeFigureOut">
               <a:rPr lang="da-DK" smtClean="0"/>
-              <a:t>08.05.2022</a:t>
+              <a:t>12.05.2022</a:t>
             </a:fld>
             <a:endParaRPr lang="da-DK"/>
           </a:p>
@@ -1951,7 +1956,7 @@
           <a:p>
             <a:fld id="{5839EC34-D514-BC4C-8E57-741F40CC5773}" type="datetimeFigureOut">
               <a:rPr lang="da-DK" smtClean="0"/>
-              <a:t>08.05.2022</a:t>
+              <a:t>12.05.2022</a:t>
             </a:fld>
             <a:endParaRPr lang="da-DK"/>
           </a:p>
@@ -2064,7 +2069,7 @@
           <a:p>
             <a:fld id="{5839EC34-D514-BC4C-8E57-741F40CC5773}" type="datetimeFigureOut">
               <a:rPr lang="da-DK" smtClean="0"/>
-              <a:t>08.05.2022</a:t>
+              <a:t>12.05.2022</a:t>
             </a:fld>
             <a:endParaRPr lang="da-DK"/>
           </a:p>
@@ -2375,7 +2380,7 @@
           <a:p>
             <a:fld id="{5839EC34-D514-BC4C-8E57-741F40CC5773}" type="datetimeFigureOut">
               <a:rPr lang="da-DK" smtClean="0"/>
-              <a:t>08.05.2022</a:t>
+              <a:t>12.05.2022</a:t>
             </a:fld>
             <a:endParaRPr lang="da-DK"/>
           </a:p>
@@ -2663,7 +2668,7 @@
           <a:p>
             <a:fld id="{5839EC34-D514-BC4C-8E57-741F40CC5773}" type="datetimeFigureOut">
               <a:rPr lang="da-DK" smtClean="0"/>
-              <a:t>08.05.2022</a:t>
+              <a:t>12.05.2022</a:t>
             </a:fld>
             <a:endParaRPr lang="da-DK"/>
           </a:p>
@@ -2904,7 +2909,7 @@
           <a:p>
             <a:fld id="{5839EC34-D514-BC4C-8E57-741F40CC5773}" type="datetimeFigureOut">
               <a:rPr lang="da-DK" smtClean="0"/>
-              <a:t>08.05.2022</a:t>
+              <a:t>12.05.2022</a:t>
             </a:fld>
             <a:endParaRPr lang="da-DK"/>
           </a:p>
@@ -3426,8 +3431,8 @@
         </p:nvSpPr>
         <p:spPr>
           <a:xfrm>
-            <a:off x="6916455" y="4384110"/>
-            <a:ext cx="1413354" cy="307777"/>
+            <a:off x="6851737" y="4384109"/>
+            <a:ext cx="1249474" cy="307777"/>
           </a:xfrm>
           <a:prstGeom prst="rect">
             <a:avLst/>
@@ -3467,8 +3472,8 @@
         </p:nvSpPr>
         <p:spPr>
           <a:xfrm>
-            <a:off x="2484329" y="1735226"/>
-            <a:ext cx="3768247" cy="738664"/>
+            <a:off x="2853325" y="1881731"/>
+            <a:ext cx="2722845" cy="738664"/>
           </a:xfrm>
           <a:prstGeom prst="rect">
             <a:avLst/>
@@ -3485,13 +3490,21 @@
               <a:rPr lang="da-DK" sz="1400" dirty="0" err="1">
                 <a:latin typeface="Georgia" panose="02040502050405020303" pitchFamily="18" charset="0"/>
               </a:rPr>
-              <a:t>Salience</a:t>
+              <a:t>Visibility</a:t>
             </a:r>
             <a:r>
               <a:rPr lang="da-DK" sz="1400" dirty="0">
                 <a:latin typeface="Georgia" panose="02040502050405020303" pitchFamily="18" charset="0"/>
               </a:rPr>
-              <a:t> of immigration issues</a:t>
+              <a:t> </a:t>
+            </a:r>
+          </a:p>
+          <a:p>
+            <a:r>
+              <a:rPr lang="da-DK" sz="1400" dirty="0">
+                <a:latin typeface="Georgia" panose="02040502050405020303" pitchFamily="18" charset="0"/>
+              </a:rPr>
+              <a:t>Tone </a:t>
             </a:r>
           </a:p>
           <a:p>
@@ -3499,31 +3512,14 @@
               <a:rPr lang="da-DK" sz="1400" dirty="0" err="1">
                 <a:latin typeface="Georgia" panose="02040502050405020303" pitchFamily="18" charset="0"/>
               </a:rPr>
-              <a:t>Sentiment</a:t>
+              <a:t>Strength</a:t>
             </a:r>
             <a:r>
               <a:rPr lang="da-DK" sz="1400" dirty="0">
                 <a:latin typeface="Georgia" panose="02040502050405020303" pitchFamily="18" charset="0"/>
               </a:rPr>
-              <a:t> of immigration issues</a:t>
-            </a:r>
-          </a:p>
-          <a:p>
-            <a:r>
-              <a:rPr lang="da-DK" sz="1400" dirty="0">
-                <a:latin typeface="Georgia" panose="02040502050405020303" pitchFamily="18" charset="0"/>
-              </a:rPr>
-              <a:t>Public broadcast </a:t>
-            </a:r>
-            <a:r>
-              <a:rPr lang="da-DK" sz="1400" dirty="0" err="1">
-                <a:latin typeface="Georgia" panose="02040502050405020303" pitchFamily="18" charset="0"/>
-              </a:rPr>
-              <a:t>spending</a:t>
-            </a:r>
-            <a:endParaRPr lang="da-DK" sz="1400" dirty="0">
-              <a:latin typeface="Georgia" panose="02040502050405020303" pitchFamily="18" charset="0"/>
-            </a:endParaRPr>
+              <a:t> of Public broadcasting </a:t>
+            </a:r>
           </a:p>
         </p:txBody>
       </p:sp>
@@ -3538,14 +3534,15 @@
           </p:cNvPr>
           <p:cNvCxnSpPr>
             <a:cxnSpLocks/>
+            <a:stCxn id="4" idx="3"/>
             <a:endCxn id="5" idx="1"/>
           </p:cNvCxnSpPr>
           <p:nvPr/>
         </p:nvCxnSpPr>
         <p:spPr>
           <a:xfrm flipV="1">
-            <a:off x="4672208" y="4537999"/>
-            <a:ext cx="2244247" cy="30777"/>
+            <a:off x="4672208" y="4537998"/>
+            <a:ext cx="2179529" cy="1"/>
           </a:xfrm>
           <a:prstGeom prst="straightConnector1">
             <a:avLst/>
@@ -3586,8 +3583,8 @@
         </p:nvCxnSpPr>
         <p:spPr>
           <a:xfrm>
-            <a:off x="4368453" y="2473890"/>
-            <a:ext cx="2649253" cy="1910220"/>
+            <a:off x="4214748" y="2620395"/>
+            <a:ext cx="2712145" cy="1740370"/>
           </a:xfrm>
           <a:prstGeom prst="straightConnector1">
             <a:avLst/>
@@ -3628,8 +3625,8 @@
         </p:nvCxnSpPr>
         <p:spPr>
           <a:xfrm>
-            <a:off x="4368453" y="2473890"/>
-            <a:ext cx="1235899" cy="1910220"/>
+            <a:off x="4214748" y="2620395"/>
+            <a:ext cx="1361422" cy="1740370"/>
           </a:xfrm>
           <a:prstGeom prst="straightConnector1">
             <a:avLst/>
@@ -3753,7 +3750,7 @@
         </p:nvSpPr>
         <p:spPr>
           <a:xfrm>
-            <a:off x="5576170" y="4414887"/>
+            <a:off x="5576170" y="4360765"/>
             <a:ext cx="275573" cy="307777"/>
           </a:xfrm>
           <a:prstGeom prst="rect">
@@ -3792,7 +3789,7 @@
         </p:nvSpPr>
         <p:spPr>
           <a:xfrm>
-            <a:off x="5743705" y="3382452"/>
+            <a:off x="5675595" y="3440229"/>
             <a:ext cx="352295" cy="432792"/>
           </a:xfrm>
           <a:prstGeom prst="ellipse">
@@ -3831,8 +3828,8 @@
         </p:nvSpPr>
         <p:spPr>
           <a:xfrm>
-            <a:off x="4924815" y="3407400"/>
-            <a:ext cx="352295" cy="432792"/>
+            <a:off x="4797988" y="3420475"/>
+            <a:ext cx="501041" cy="432792"/>
           </a:xfrm>
           <a:prstGeom prst="ellipse">
             <a:avLst/>
